--- a/img/maps.pptx
+++ b/img/maps.pptx
@@ -9,6 +9,7 @@
     <p:sldId id="256" r:id="rId3"/>
     <p:sldId id="258" r:id="rId4"/>
     <p:sldId id="259" r:id="rId5"/>
+    <p:sldId id="260" r:id="rId6"/>
   </p:sldIdLst>
   <p:sldSz cx="12192000" cy="6858000"/>
   <p:notesSz cx="6858000" cy="9144000"/>
@@ -3478,6 +3479,137 @@
 </p:sld>
 </file>
 
+<file path=ppt/slides/slide5.xml><?xml version="1.0" encoding="utf-8"?>
+<p:sld xmlns:a="http://schemas.openxmlformats.org/drawingml/2006/main" xmlns:r="http://schemas.openxmlformats.org/officeDocument/2006/relationships" xmlns:p="http://schemas.openxmlformats.org/presentationml/2006/main">
+  <p:cSld>
+    <p:spTree>
+      <p:nvGrpSpPr>
+        <p:cNvPr id="1" name=""/>
+        <p:cNvGrpSpPr/>
+        <p:nvPr/>
+      </p:nvGrpSpPr>
+      <p:grpSpPr>
+        <a:xfrm>
+          <a:off x="0" y="0"/>
+          <a:ext cx="0" cy="0"/>
+          <a:chOff x="0" y="0"/>
+          <a:chExt cx="0" cy="0"/>
+        </a:xfrm>
+      </p:grpSpPr>
+      <p:pic>
+        <p:nvPicPr>
+          <p:cNvPr id="3" name="圖片 2">
+            <a:extLst>
+              <a:ext uri="{FF2B5EF4-FFF2-40B4-BE49-F238E27FC236}">
+                <a16:creationId xmlns:a16="http://schemas.microsoft.com/office/drawing/2014/main" id="{439D7C20-DB76-45FF-BA29-1C7967C19258}"/>
+              </a:ext>
+            </a:extLst>
+          </p:cNvPr>
+          <p:cNvPicPr>
+            <a:picLocks noChangeAspect="1"/>
+          </p:cNvPicPr>
+          <p:nvPr/>
+        </p:nvPicPr>
+        <p:blipFill>
+          <a:blip r:embed="rId2"/>
+          <a:stretch>
+            <a:fillRect/>
+          </a:stretch>
+        </p:blipFill>
+        <p:spPr>
+          <a:xfrm>
+            <a:off x="2543899" y="0"/>
+            <a:ext cx="7104202" cy="6858000"/>
+          </a:xfrm>
+          <a:prstGeom prst="rect">
+            <a:avLst/>
+          </a:prstGeom>
+        </p:spPr>
+      </p:pic>
+      <p:sp>
+        <p:nvSpPr>
+          <p:cNvPr id="4" name="矩形 3">
+            <a:extLst>
+              <a:ext uri="{FF2B5EF4-FFF2-40B4-BE49-F238E27FC236}">
+                <a16:creationId xmlns:a16="http://schemas.microsoft.com/office/drawing/2014/main" id="{2805D99C-45F1-4B7F-B86D-264FCAC413DD}"/>
+              </a:ext>
+            </a:extLst>
+          </p:cNvPr>
+          <p:cNvSpPr/>
+          <p:nvPr/>
+        </p:nvSpPr>
+        <p:spPr>
+          <a:xfrm>
+            <a:off x="288392" y="212310"/>
+            <a:ext cx="1359105" cy="1323439"/>
+          </a:xfrm>
+          <a:prstGeom prst="rect">
+            <a:avLst/>
+          </a:prstGeom>
+          <a:noFill/>
+        </p:spPr>
+        <p:txBody>
+          <a:bodyPr wrap="square" lIns="91440" tIns="45720" rIns="91440" bIns="45720">
+            <a:spAutoFit/>
+          </a:bodyPr>
+          <a:lstStyle/>
+          <a:p>
+            <a:pPr algn="ctr"/>
+            <a:r>
+              <a:rPr lang="en-US" altLang="zh-TW" sz="8000" b="1" cap="none" spc="0" dirty="0">
+                <a:ln w="9525">
+                  <a:solidFill>
+                    <a:schemeClr val="bg1"/>
+                  </a:solidFill>
+                  <a:prstDash val="solid"/>
+                </a:ln>
+                <a:solidFill>
+                  <a:schemeClr val="tx1"/>
+                </a:solidFill>
+                <a:effectLst>
+                  <a:outerShdw blurRad="12700" dist="38100" dir="2700000" algn="tl" rotWithShape="0">
+                    <a:schemeClr val="bg1">
+                      <a:lumMod val="50000"/>
+                    </a:schemeClr>
+                  </a:outerShdw>
+                </a:effectLst>
+              </a:rPr>
+              <a:t>94</a:t>
+            </a:r>
+            <a:endParaRPr lang="zh-TW" altLang="en-US" sz="8000" b="1" cap="none" spc="0" dirty="0">
+              <a:ln w="9525">
+                <a:solidFill>
+                  <a:schemeClr val="bg1"/>
+                </a:solidFill>
+                <a:prstDash val="solid"/>
+              </a:ln>
+              <a:solidFill>
+                <a:schemeClr val="tx1"/>
+              </a:solidFill>
+              <a:effectLst>
+                <a:outerShdw blurRad="12700" dist="38100" dir="2700000" algn="tl" rotWithShape="0">
+                  <a:schemeClr val="bg1">
+                    <a:lumMod val="50000"/>
+                  </a:schemeClr>
+                </a:outerShdw>
+              </a:effectLst>
+            </a:endParaRPr>
+          </a:p>
+        </p:txBody>
+      </p:sp>
+    </p:spTree>
+    <p:extLst>
+      <p:ext uri="{BB962C8B-B14F-4D97-AF65-F5344CB8AC3E}">
+        <p14:creationId xmlns:p14="http://schemas.microsoft.com/office/powerpoint/2010/main" val="184014152"/>
+      </p:ext>
+    </p:extLst>
+  </p:cSld>
+  <p:clrMapOvr>
+    <a:masterClrMapping/>
+  </p:clrMapOvr>
+</p:sld>
+</file>
+
 <file path=ppt/theme/theme1.xml><?xml version="1.0" encoding="utf-8"?>
 <a:theme xmlns:a="http://schemas.openxmlformats.org/drawingml/2006/main" name="Office Theme">
   <a:themeElements>
